--- a/Documentation/T12 Capstone Poster 2.1.pptx
+++ b/Documentation/T12 Capstone Poster 2.1.pptx
@@ -192,7 +192,7 @@
           <a:p>
             <a:fld id="{1945F571-9F8F-4334-83B3-91861E18D9BF}" type="datetimeFigureOut">
               <a:rPr lang="en-US" smtClean="0"/>
-              <a:t>5/25/2015</a:t>
+              <a:t>5/26/2015</a:t>
             </a:fld>
             <a:endParaRPr lang="en-US"/>
           </a:p>
@@ -642,7 +642,7 @@
             <a:fld id="{D9D26CB9-01E4-44B8-8084-BCC418CF4A2D}" type="datetimeFigureOut">
               <a:rPr lang="en-US" smtClean="0"/>
               <a:pPr/>
-              <a:t>5/25/2015</a:t>
+              <a:t>5/26/2015</a:t>
             </a:fld>
             <a:endParaRPr lang="en-US"/>
           </a:p>
@@ -814,7 +814,7 @@
             <a:fld id="{D9D26CB9-01E4-44B8-8084-BCC418CF4A2D}" type="datetimeFigureOut">
               <a:rPr lang="en-US" smtClean="0"/>
               <a:pPr/>
-              <a:t>5/25/2015</a:t>
+              <a:t>5/26/2015</a:t>
             </a:fld>
             <a:endParaRPr lang="en-US"/>
           </a:p>
@@ -996,7 +996,7 @@
             <a:fld id="{D9D26CB9-01E4-44B8-8084-BCC418CF4A2D}" type="datetimeFigureOut">
               <a:rPr lang="en-US" smtClean="0"/>
               <a:pPr/>
-              <a:t>5/25/2015</a:t>
+              <a:t>5/26/2015</a:t>
             </a:fld>
             <a:endParaRPr lang="en-US"/>
           </a:p>
@@ -1168,7 +1168,7 @@
             <a:fld id="{D9D26CB9-01E4-44B8-8084-BCC418CF4A2D}" type="datetimeFigureOut">
               <a:rPr lang="en-US" smtClean="0"/>
               <a:pPr/>
-              <a:t>5/25/2015</a:t>
+              <a:t>5/26/2015</a:t>
             </a:fld>
             <a:endParaRPr lang="en-US"/>
           </a:p>
@@ -1416,7 +1416,7 @@
             <a:fld id="{D9D26CB9-01E4-44B8-8084-BCC418CF4A2D}" type="datetimeFigureOut">
               <a:rPr lang="en-US" smtClean="0"/>
               <a:pPr/>
-              <a:t>5/25/2015</a:t>
+              <a:t>5/26/2015</a:t>
             </a:fld>
             <a:endParaRPr lang="en-US"/>
           </a:p>
@@ -1706,7 +1706,7 @@
             <a:fld id="{D9D26CB9-01E4-44B8-8084-BCC418CF4A2D}" type="datetimeFigureOut">
               <a:rPr lang="en-US" smtClean="0"/>
               <a:pPr/>
-              <a:t>5/25/2015</a:t>
+              <a:t>5/26/2015</a:t>
             </a:fld>
             <a:endParaRPr lang="en-US"/>
           </a:p>
@@ -2130,7 +2130,7 @@
             <a:fld id="{D9D26CB9-01E4-44B8-8084-BCC418CF4A2D}" type="datetimeFigureOut">
               <a:rPr lang="en-US" smtClean="0"/>
               <a:pPr/>
-              <a:t>5/25/2015</a:t>
+              <a:t>5/26/2015</a:t>
             </a:fld>
             <a:endParaRPr lang="en-US"/>
           </a:p>
@@ -2250,7 +2250,7 @@
             <a:fld id="{D9D26CB9-01E4-44B8-8084-BCC418CF4A2D}" type="datetimeFigureOut">
               <a:rPr lang="en-US" smtClean="0"/>
               <a:pPr/>
-              <a:t>5/25/2015</a:t>
+              <a:t>5/26/2015</a:t>
             </a:fld>
             <a:endParaRPr lang="en-US"/>
           </a:p>
@@ -2347,7 +2347,7 @@
             <a:fld id="{D9D26CB9-01E4-44B8-8084-BCC418CF4A2D}" type="datetimeFigureOut">
               <a:rPr lang="en-US" smtClean="0"/>
               <a:pPr/>
-              <a:t>5/25/2015</a:t>
+              <a:t>5/26/2015</a:t>
             </a:fld>
             <a:endParaRPr lang="en-US"/>
           </a:p>
@@ -2626,7 +2626,7 @@
             <a:fld id="{D9D26CB9-01E4-44B8-8084-BCC418CF4A2D}" type="datetimeFigureOut">
               <a:rPr lang="en-US" smtClean="0"/>
               <a:pPr/>
-              <a:t>5/25/2015</a:t>
+              <a:t>5/26/2015</a:t>
             </a:fld>
             <a:endParaRPr lang="en-US"/>
           </a:p>
@@ -2881,7 +2881,7 @@
             <a:fld id="{D9D26CB9-01E4-44B8-8084-BCC418CF4A2D}" type="datetimeFigureOut">
               <a:rPr lang="en-US" smtClean="0"/>
               <a:pPr/>
-              <a:t>5/25/2015</a:t>
+              <a:t>5/26/2015</a:t>
             </a:fld>
             <a:endParaRPr lang="en-US"/>
           </a:p>
@@ -3096,7 +3096,7 @@
             <a:fld id="{D9D26CB9-01E4-44B8-8084-BCC418CF4A2D}" type="datetimeFigureOut">
               <a:rPr lang="en-US" smtClean="0"/>
               <a:pPr/>
-              <a:t>5/25/2015</a:t>
+              <a:t>5/26/2015</a:t>
             </a:fld>
             <a:endParaRPr lang="en-US"/>
           </a:p>
@@ -3620,23 +3620,7 @@
                   <a:schemeClr val="tx2"/>
                 </a:solidFill>
               </a:rPr>
-              <a:t>          </a:t>
-            </a:r>
-            <a:r>
-              <a:rPr lang="en-US" sz="5400" dirty="0" smtClean="0">
-                <a:solidFill>
-                  <a:schemeClr val="tx2"/>
-                </a:solidFill>
-              </a:rPr>
-              <a:t>	Advisor</a:t>
-            </a:r>
-            <a:r>
-              <a:rPr lang="en-US" sz="5400" dirty="0" smtClean="0">
-                <a:solidFill>
-                  <a:schemeClr val="tx2"/>
-                </a:solidFill>
-              </a:rPr>
-              <a:t>: Dr. James Morris</a:t>
+              <a:t>          	Advisor: Dr. James Morris</a:t>
             </a:r>
             <a:endParaRPr lang="en-US" sz="4800" dirty="0">
               <a:solidFill>
@@ -3812,55 +3796,7 @@
           <a:p>
             <a:r>
               <a:rPr lang="en-US" sz="4400" dirty="0" smtClean="0"/>
-              <a:t>In order for students and industry </a:t>
-            </a:r>
-            <a:r>
-              <a:rPr lang="en-US" sz="4400" dirty="0" smtClean="0"/>
-              <a:t>members  to </a:t>
-            </a:r>
-            <a:r>
-              <a:rPr lang="en-US" sz="4400" dirty="0" smtClean="0"/>
-              <a:t>build an intuition for signal integrity issues </a:t>
-            </a:r>
-            <a:r>
-              <a:rPr lang="en-US" sz="4400" dirty="0" smtClean="0"/>
-              <a:t> Intel </a:t>
-            </a:r>
-            <a:r>
-              <a:rPr lang="en-US" sz="4400" dirty="0" smtClean="0"/>
-              <a:t>developed an educational board  to </a:t>
-            </a:r>
-            <a:r>
-              <a:rPr lang="en-US" sz="4400" dirty="0" smtClean="0"/>
-              <a:t>demonstrate these </a:t>
-            </a:r>
-            <a:r>
-              <a:rPr lang="en-US" sz="4400" dirty="0" smtClean="0"/>
-              <a:t>issues with a physical circuit. The Education </a:t>
-            </a:r>
-            <a:r>
-              <a:rPr lang="en-US" sz="4400" dirty="0" smtClean="0"/>
-              <a:t> Engagement </a:t>
-            </a:r>
-            <a:r>
-              <a:rPr lang="en-US" sz="4400" dirty="0" smtClean="0"/>
-              <a:t>Electrical Validation Board E3VB </a:t>
-            </a:r>
-            <a:r>
-              <a:rPr lang="en-US" sz="4400" dirty="0" smtClean="0"/>
-              <a:t>Helps </a:t>
-            </a:r>
-            <a:r>
-              <a:rPr lang="en-US" sz="4400" dirty="0" smtClean="0"/>
-              <a:t>bridge the </a:t>
-            </a:r>
-            <a:r>
-              <a:rPr lang="en-US" sz="4400" dirty="0" smtClean="0"/>
-              <a:t>gap between </a:t>
-            </a:r>
-            <a:r>
-              <a:rPr lang="en-US" sz="4400" dirty="0" smtClean="0"/>
-              <a:t>theory learned in the </a:t>
+              <a:t>In order for students and industry members  to build an intuition for signal integrity issues  Intel developed an educational board  to demonstrate these issues with a physical circuit. The Education  Engagement Electrical Validation Board E3VB Helps bridge the gap between theory learned in the </a:t>
             </a:r>
             <a:r>
               <a:rPr lang="en-US" sz="4400" dirty="0"/>
@@ -3868,27 +3804,7 @@
             </a:r>
             <a:r>
               <a:rPr lang="en-US" sz="4400" dirty="0" smtClean="0"/>
-              <a:t>classroom and common </a:t>
-            </a:r>
-            <a:r>
-              <a:rPr lang="en-US" sz="4400" dirty="0" smtClean="0"/>
-              <a:t>problems that </a:t>
-            </a:r>
-            <a:r>
-              <a:rPr lang="en-US" sz="4400" dirty="0" smtClean="0"/>
-              <a:t>occur while </a:t>
-            </a:r>
-            <a:r>
-              <a:rPr lang="en-US" sz="4400" dirty="0" smtClean="0"/>
-              <a:t>measuring </a:t>
-            </a:r>
-            <a:r>
-              <a:rPr lang="en-US" sz="4400" dirty="0" smtClean="0"/>
-              <a:t>circuits the </a:t>
-            </a:r>
-            <a:r>
-              <a:rPr lang="en-US" sz="4400" dirty="0" smtClean="0"/>
-              <a:t>bench</a:t>
+              <a:t>classroom and common problems that occur while measuring circuits the bench</a:t>
             </a:r>
             <a:r>
               <a:rPr lang="en-US" sz="4000" dirty="0" smtClean="0"/>
@@ -3925,35 +3841,7 @@
             </a:r>
             <a:r>
               <a:rPr lang="en-US" sz="4400" dirty="0" smtClean="0"/>
-              <a:t>The </a:t>
-            </a:r>
-            <a:r>
-              <a:rPr lang="en-US" sz="4400" dirty="0" smtClean="0"/>
-              <a:t>goal of this experiment </a:t>
-            </a:r>
-            <a:r>
-              <a:rPr lang="en-US" sz="4400" dirty="0" smtClean="0"/>
-              <a:t>was </a:t>
-            </a:r>
-            <a:r>
-              <a:rPr lang="en-US" sz="4400" dirty="0" smtClean="0"/>
-              <a:t>to highlight signal integrity </a:t>
-            </a:r>
-            <a:r>
-              <a:rPr lang="en-US" sz="4400" dirty="0" smtClean="0"/>
-              <a:t>issues that </a:t>
-            </a:r>
-            <a:r>
-              <a:rPr lang="en-US" sz="4400" dirty="0" smtClean="0"/>
-              <a:t>occur with improper grounding when a board contains </a:t>
-            </a:r>
-            <a:r>
-              <a:rPr lang="en-US" sz="4400" dirty="0" smtClean="0"/>
-              <a:t>both analog </a:t>
-            </a:r>
-            <a:r>
-              <a:rPr lang="en-US" sz="4400" dirty="0" smtClean="0"/>
-              <a:t>and digital circuity.</a:t>
+              <a:t>The goal of this experiment was to highlight signal integrity issues that occur with improper grounding when a board contains both analog and digital circuity.</a:t>
             </a:r>
             <a:endParaRPr lang="en-US" sz="4400" dirty="0"/>
           </a:p>
@@ -3982,7 +3870,7 @@
         </p:blipFill>
         <p:spPr bwMode="auto">
           <a:xfrm>
-            <a:off x="31174314" y="9070483"/>
+            <a:off x="31174313" y="8293883"/>
             <a:ext cx="8748953" cy="6931958"/>
           </a:xfrm>
           <a:prstGeom prst="rect">
@@ -4090,27 +3978,7 @@
             </a:r>
             <a:r>
               <a:rPr lang="en-US" sz="4400" dirty="0" smtClean="0"/>
-              <a:t> These </a:t>
-            </a:r>
-            <a:r>
-              <a:rPr lang="en-US" sz="4400" dirty="0" smtClean="0"/>
-              <a:t>experiments were required to work independently from </a:t>
-            </a:r>
-            <a:r>
-              <a:rPr lang="en-US" sz="4400" dirty="0" smtClean="0"/>
-              <a:t> the </a:t>
-            </a:r>
-            <a:r>
-              <a:rPr lang="en-US" sz="4400" dirty="0" smtClean="0"/>
-              <a:t>E3VB but still be capable of being added to the </a:t>
-            </a:r>
-            <a:r>
-              <a:rPr lang="en-US" sz="4400" dirty="0" smtClean="0"/>
-              <a:t>E3VB in </a:t>
-            </a:r>
-            <a:r>
-              <a:rPr lang="en-US" sz="4400" dirty="0" smtClean="0"/>
-              <a:t>a  future revision . </a:t>
+              <a:t> These experiments were required to work independently from  the E3VB but still be capable of being added to the E3VB in a  future revision . </a:t>
             </a:r>
             <a:endParaRPr lang="en-US" sz="4400" dirty="0"/>
           </a:p>
@@ -4511,7 +4379,6 @@
               <a:rPr lang="en-US" sz="3200" dirty="0" smtClean="0"/>
               <a:t>Analog signal without digital </a:t>
             </a:r>
-            <a:endParaRPr lang="en-US" sz="3200" dirty="0" smtClean="0"/>
           </a:p>
           <a:p>
             <a:r>
@@ -4548,16 +4415,11 @@
               <a:rPr lang="en-US" sz="3200" dirty="0" smtClean="0"/>
               <a:t>Analog signal with isolated </a:t>
             </a:r>
-            <a:endParaRPr lang="en-US" sz="3200" dirty="0" smtClean="0"/>
           </a:p>
           <a:p>
             <a:r>
               <a:rPr lang="en-US" sz="3200" dirty="0" smtClean="0"/>
-              <a:t>GND </a:t>
-            </a:r>
-            <a:r>
-              <a:rPr lang="en-US" sz="3200" dirty="0" smtClean="0"/>
-              <a:t>planes </a:t>
+              <a:t>GND planes </a:t>
             </a:r>
             <a:endParaRPr lang="en-US" sz="3200" dirty="0"/>
           </a:p>
@@ -4589,16 +4451,11 @@
               <a:rPr lang="en-US" sz="3200" dirty="0" smtClean="0"/>
               <a:t>Analog signal with shared </a:t>
             </a:r>
-            <a:endParaRPr lang="en-US" sz="3200" dirty="0" smtClean="0"/>
           </a:p>
           <a:p>
             <a:r>
               <a:rPr lang="en-US" sz="3200" dirty="0" smtClean="0"/>
-              <a:t>return </a:t>
-            </a:r>
-            <a:r>
-              <a:rPr lang="en-US" sz="3200" dirty="0" smtClean="0"/>
-              <a:t>path </a:t>
+              <a:t>return path </a:t>
             </a:r>
             <a:endParaRPr lang="en-US" sz="3200" dirty="0"/>
           </a:p>
@@ -4627,7 +4484,7 @@
         </p:blipFill>
         <p:spPr bwMode="auto">
           <a:xfrm>
-            <a:off x="36286402" y="17389778"/>
+            <a:off x="36004271" y="17887341"/>
             <a:ext cx="6298334" cy="4379686"/>
           </a:xfrm>
           <a:prstGeom prst="rect">
@@ -4795,7 +4652,7 @@
         </p:nvSpPr>
         <p:spPr>
           <a:xfrm>
-            <a:off x="28849418" y="22046462"/>
+            <a:off x="28849418" y="22960314"/>
             <a:ext cx="6047642" cy="646331"/>
           </a:xfrm>
           <a:prstGeom prst="rect">
@@ -4839,7 +4696,7 @@
         </p:blipFill>
         <p:spPr bwMode="auto">
           <a:xfrm>
-            <a:off x="28849418" y="17252729"/>
+            <a:off x="28849418" y="17887341"/>
             <a:ext cx="6699373" cy="4653783"/>
           </a:xfrm>
           <a:prstGeom prst="rect">
@@ -4888,7 +4745,7 @@
         </p:nvSpPr>
         <p:spPr>
           <a:xfrm>
-            <a:off x="36299849" y="21784164"/>
+            <a:off x="36576002" y="22536003"/>
             <a:ext cx="5154873" cy="1200329"/>
           </a:xfrm>
           <a:prstGeom prst="rect">
@@ -4913,6 +4770,64 @@
               <a:t> aggressor on each side</a:t>
             </a:r>
             <a:endParaRPr lang="en-US" sz="3600" dirty="0"/>
+          </a:p>
+        </p:txBody>
+      </p:sp>
+      <p:sp>
+        <p:nvSpPr>
+          <p:cNvPr id="6" name="TextBox 5"/>
+          <p:cNvSpPr txBox="1"/>
+          <p:nvPr/>
+        </p:nvSpPr>
+        <p:spPr>
+          <a:xfrm>
+            <a:off x="28512847" y="15266120"/>
+            <a:ext cx="14072069" cy="2123658"/>
+          </a:xfrm>
+          <a:prstGeom prst="rect">
+            <a:avLst/>
+          </a:prstGeom>
+          <a:noFill/>
+        </p:spPr>
+        <p:txBody>
+          <a:bodyPr wrap="square" rtlCol="0">
+            <a:spAutoFit/>
+          </a:bodyPr>
+          <a:lstStyle/>
+          <a:p>
+            <a:r>
+              <a:rPr lang="en-US" sz="4400" dirty="0" smtClean="0"/>
+              <a:t>The traces are routed 6 </a:t>
+            </a:r>
+            <a:r>
+              <a:rPr lang="en-US" sz="4400" smtClean="0"/>
+              <a:t>mil apart   </a:t>
+            </a:r>
+            <a:r>
+              <a:rPr lang="en-US" sz="4400" dirty="0" smtClean="0"/>
+              <a:t>to induce crosstalk between them . Different inductor </a:t>
+            </a:r>
+            <a:r>
+              <a:rPr lang="en-US" sz="4400" dirty="0"/>
+              <a:t>v</a:t>
+            </a:r>
+            <a:r>
+              <a:rPr lang="en-US" sz="4400" dirty="0" smtClean="0"/>
+              <a:t>alues can be selected to magnify the </a:t>
+            </a:r>
+            <a:r>
+              <a:rPr lang="en-US" sz="4400" i="1" dirty="0" err="1" smtClean="0"/>
+              <a:t>intersymbol</a:t>
+            </a:r>
+            <a:r>
+              <a:rPr lang="en-US" sz="4400" i="1" dirty="0" smtClean="0"/>
+              <a:t> </a:t>
+            </a:r>
+            <a:r>
+              <a:rPr lang="en-US" sz="4400" dirty="0" smtClean="0"/>
+              <a:t>interference</a:t>
+            </a:r>
+            <a:endParaRPr lang="en-US" sz="4400" dirty="0"/>
           </a:p>
         </p:txBody>
       </p:sp>
